--- a/答辩展示.pptx
+++ b/答辩展示.pptx
@@ -106,7 +106,41 @@
       </a:defRPr>
     </a:lvl9pPr>
   </p:defaultTextStyle>
+  <p:extLst>
+    <p:ext uri="{EFAFB233-063F-42B5-8137-9DF3F51BA10A}">
+      <p15:sldGuideLst xmlns:p15="http://schemas.microsoft.com/office/powerpoint/2012/main"/>
+    </p:ext>
+  </p:extLst>
 </p:presentation>
+</file>
+
+<file path=ppt/changesInfos/changesInfo1.xml><?xml version="1.0" encoding="utf-8"?>
+<pc:chgInfo xmlns:a="http://schemas.openxmlformats.org/drawingml/2006/main" xmlns:r="http://schemas.openxmlformats.org/officeDocument/2006/relationships" xmlns:ac="http://schemas.microsoft.com/office/drawing/2013/main/command" xmlns:pc="http://schemas.microsoft.com/office/powerpoint/2013/main/command">
+  <pc:docChgLst>
+    <pc:chgData name="Zhu JiaNuo" userId="c82348462032f9f4" providerId="LiveId" clId="{9C197748-9FB9-4193-9015-7DF3A6FE75BA}"/>
+    <pc:docChg chg="modSld">
+      <pc:chgData name="Zhu JiaNuo" userId="c82348462032f9f4" providerId="LiveId" clId="{9C197748-9FB9-4193-9015-7DF3A6FE75BA}" dt="2023-05-29T06:05:52.950" v="12" actId="20577"/>
+      <pc:docMkLst>
+        <pc:docMk/>
+      </pc:docMkLst>
+      <pc:sldChg chg="modSp mod">
+        <pc:chgData name="Zhu JiaNuo" userId="c82348462032f9f4" providerId="LiveId" clId="{9C197748-9FB9-4193-9015-7DF3A6FE75BA}" dt="2023-05-29T06:05:52.950" v="12" actId="20577"/>
+        <pc:sldMkLst>
+          <pc:docMk/>
+          <pc:sldMk cId="1086031534" sldId="257"/>
+        </pc:sldMkLst>
+        <pc:spChg chg="mod">
+          <ac:chgData name="Zhu JiaNuo" userId="c82348462032f9f4" providerId="LiveId" clId="{9C197748-9FB9-4193-9015-7DF3A6FE75BA}" dt="2023-05-29T06:05:52.950" v="12" actId="20577"/>
+          <ac:spMkLst>
+            <pc:docMk/>
+            <pc:sldMk cId="1086031534" sldId="257"/>
+            <ac:spMk id="3" creationId="{94E3058C-2512-8C0A-2B22-8B067228B6A0}"/>
+          </ac:spMkLst>
+        </pc:spChg>
+      </pc:sldChg>
+    </pc:docChg>
+  </pc:docChgLst>
+</pc:chgInfo>
 </file>
 
 <file path=ppt/slideLayouts/slideLayout1.xml><?xml version="1.0" encoding="utf-8"?>
@@ -248,7 +282,7 @@
           <a:p>
             <a:fld id="{187D6DDC-0E55-4EEC-AED7-CF2C6E0DAE19}" type="datetimeFigureOut">
               <a:rPr lang="zh-CN" altLang="en-US" smtClean="0"/>
-              <a:t>2023/5/28</a:t>
+              <a:t>2023/5/29</a:t>
             </a:fld>
             <a:endParaRPr lang="zh-CN" altLang="en-US"/>
           </a:p>
@@ -459,7 +493,7 @@
           <a:p>
             <a:fld id="{187D6DDC-0E55-4EEC-AED7-CF2C6E0DAE19}" type="datetimeFigureOut">
               <a:rPr lang="zh-CN" altLang="en-US" smtClean="0"/>
-              <a:t>2023/5/28</a:t>
+              <a:t>2023/5/29</a:t>
             </a:fld>
             <a:endParaRPr lang="zh-CN" altLang="en-US"/>
           </a:p>
@@ -674,7 +708,7 @@
           <a:p>
             <a:fld id="{187D6DDC-0E55-4EEC-AED7-CF2C6E0DAE19}" type="datetimeFigureOut">
               <a:rPr lang="zh-CN" altLang="en-US" smtClean="0"/>
-              <a:t>2023/5/28</a:t>
+              <a:t>2023/5/29</a:t>
             </a:fld>
             <a:endParaRPr lang="zh-CN" altLang="en-US"/>
           </a:p>
@@ -875,7 +909,7 @@
           <a:p>
             <a:fld id="{187D6DDC-0E55-4EEC-AED7-CF2C6E0DAE19}" type="datetimeFigureOut">
               <a:rPr lang="zh-CN" altLang="en-US" smtClean="0"/>
-              <a:t>2023/5/28</a:t>
+              <a:t>2023/5/29</a:t>
             </a:fld>
             <a:endParaRPr lang="zh-CN" altLang="en-US"/>
           </a:p>
@@ -1154,7 +1188,7 @@
           <a:p>
             <a:fld id="{187D6DDC-0E55-4EEC-AED7-CF2C6E0DAE19}" type="datetimeFigureOut">
               <a:rPr lang="zh-CN" altLang="en-US" smtClean="0"/>
-              <a:t>2023/5/28</a:t>
+              <a:t>2023/5/29</a:t>
             </a:fld>
             <a:endParaRPr lang="zh-CN" altLang="en-US"/>
           </a:p>
@@ -1422,7 +1456,7 @@
           <a:p>
             <a:fld id="{187D6DDC-0E55-4EEC-AED7-CF2C6E0DAE19}" type="datetimeFigureOut">
               <a:rPr lang="zh-CN" altLang="en-US" smtClean="0"/>
-              <a:t>2023/5/28</a:t>
+              <a:t>2023/5/29</a:t>
             </a:fld>
             <a:endParaRPr lang="zh-CN" altLang="en-US"/>
           </a:p>
@@ -1838,7 +1872,7 @@
           <a:p>
             <a:fld id="{187D6DDC-0E55-4EEC-AED7-CF2C6E0DAE19}" type="datetimeFigureOut">
               <a:rPr lang="zh-CN" altLang="en-US" smtClean="0"/>
-              <a:t>2023/5/28</a:t>
+              <a:t>2023/5/29</a:t>
             </a:fld>
             <a:endParaRPr lang="zh-CN" altLang="en-US"/>
           </a:p>
@@ -1987,7 +2021,7 @@
           <a:p>
             <a:fld id="{187D6DDC-0E55-4EEC-AED7-CF2C6E0DAE19}" type="datetimeFigureOut">
               <a:rPr lang="zh-CN" altLang="en-US" smtClean="0"/>
-              <a:t>2023/5/28</a:t>
+              <a:t>2023/5/29</a:t>
             </a:fld>
             <a:endParaRPr lang="zh-CN" altLang="en-US"/>
           </a:p>
@@ -2113,7 +2147,7 @@
           <a:p>
             <a:fld id="{187D6DDC-0E55-4EEC-AED7-CF2C6E0DAE19}" type="datetimeFigureOut">
               <a:rPr lang="zh-CN" altLang="en-US" smtClean="0"/>
-              <a:t>2023/5/28</a:t>
+              <a:t>2023/5/29</a:t>
             </a:fld>
             <a:endParaRPr lang="zh-CN" altLang="en-US"/>
           </a:p>
@@ -2364,7 +2398,7 @@
           <a:p>
             <a:fld id="{187D6DDC-0E55-4EEC-AED7-CF2C6E0DAE19}" type="datetimeFigureOut">
               <a:rPr lang="zh-CN" altLang="en-US" smtClean="0"/>
-              <a:t>2023/5/28</a:t>
+              <a:t>2023/5/29</a:t>
             </a:fld>
             <a:endParaRPr lang="zh-CN" altLang="en-US"/>
           </a:p>
@@ -2809,7 +2843,7 @@
           <a:p>
             <a:fld id="{187D6DDC-0E55-4EEC-AED7-CF2C6E0DAE19}" type="datetimeFigureOut">
               <a:rPr lang="zh-CN" altLang="en-US" smtClean="0"/>
-              <a:t>2023/5/28</a:t>
+              <a:t>2023/5/29</a:t>
             </a:fld>
             <a:endParaRPr lang="zh-CN" altLang="en-US"/>
           </a:p>
@@ -3136,7 +3170,7 @@
           <a:p>
             <a:fld id="{187D6DDC-0E55-4EEC-AED7-CF2C6E0DAE19}" type="datetimeFigureOut">
               <a:rPr lang="zh-CN" altLang="en-US" smtClean="0"/>
-              <a:t>2023/5/28</a:t>
+              <a:t>2023/5/29</a:t>
             </a:fld>
             <a:endParaRPr lang="zh-CN" altLang="en-US"/>
           </a:p>
@@ -3816,7 +3850,7 @@
             </a:r>
             <a:r>
               <a:rPr lang="zh-CN" altLang="en-US" dirty="0"/>
-              <a:t>、棋局回放</a:t>
+              <a:t>、按钮高亮</a:t>
             </a:r>
             <a:endParaRPr lang="en-US" altLang="zh-CN" dirty="0"/>
           </a:p>
@@ -3827,7 +3861,7 @@
             </a:r>
             <a:r>
               <a:rPr lang="zh-CN" altLang="en-US" dirty="0"/>
-              <a:t>、按钮高亮</a:t>
+              <a:t>、计时器功能实现</a:t>
             </a:r>
             <a:endParaRPr lang="en-US" altLang="zh-CN" dirty="0"/>
           </a:p>
@@ -3838,9 +3872,12 @@
             </a:r>
             <a:r>
               <a:rPr lang="zh-CN" altLang="en-US" dirty="0"/>
-              <a:t>、计时器功能实现</a:t>
-            </a:r>
-            <a:endParaRPr lang="en-US" altLang="zh-CN" dirty="0"/>
+              <a:t>、</a:t>
+            </a:r>
+            <a:r>
+              <a:rPr lang="en-US" altLang="zh-CN" dirty="0"/>
+              <a:t>AI</a:t>
+            </a:r>
           </a:p>
           <a:p>
             <a:r>
@@ -3848,22 +3885,12 @@
               <a:t>5</a:t>
             </a:r>
             <a:r>
+              <a:rPr lang="zh-CN" altLang="en-US"/>
+              <a:t>、</a:t>
+            </a:r>
+            <a:r>
               <a:rPr lang="zh-CN" altLang="en-US" dirty="0"/>
-              <a:t>、</a:t>
-            </a:r>
-            <a:r>
-              <a:rPr lang="en-US" altLang="zh-CN" dirty="0"/>
-              <a:t>AI</a:t>
-            </a:r>
-          </a:p>
-          <a:p>
-            <a:r>
-              <a:rPr lang="en-US" altLang="zh-CN" dirty="0"/>
-              <a:t>6</a:t>
-            </a:r>
-            <a:r>
-              <a:rPr lang="zh-CN" altLang="en-US" dirty="0"/>
-              <a:t>、棋子高亮</a:t>
+              <a:t>棋子高亮</a:t>
             </a:r>
           </a:p>
         </p:txBody>
